--- a/_Documments/Manuais/Manual da Marca - BRAPCI.pptx
+++ b/_Documments/Manuais/Manual da Marca - BRAPCI.pptx
@@ -12,6 +12,7 @@
     <p:sldId id="262" r:id="rId6"/>
     <p:sldId id="260" r:id="rId7"/>
     <p:sldId id="261" r:id="rId8"/>
+    <p:sldId id="263" r:id="rId9"/>
   </p:sldIdLst>
   <p:sldSz cx="12192000" cy="6858000"/>
   <p:notesSz cx="6858000" cy="9144000"/>
@@ -265,7 +266,7 @@
           <a:p>
             <a:fld id="{F6A4CACF-EA01-40BE-8F06-7DE0AED3F10E}" type="datetimeFigureOut">
               <a:rPr lang="pt-BR" smtClean="0"/>
-              <a:t>02/01/2025</a:t>
+              <a:t>03/01/2025</a:t>
             </a:fld>
             <a:endParaRPr lang="pt-BR"/>
           </a:p>
@@ -463,7 +464,7 @@
           <a:p>
             <a:fld id="{F6A4CACF-EA01-40BE-8F06-7DE0AED3F10E}" type="datetimeFigureOut">
               <a:rPr lang="pt-BR" smtClean="0"/>
-              <a:t>02/01/2025</a:t>
+              <a:t>03/01/2025</a:t>
             </a:fld>
             <a:endParaRPr lang="pt-BR"/>
           </a:p>
@@ -671,7 +672,7 @@
           <a:p>
             <a:fld id="{F6A4CACF-EA01-40BE-8F06-7DE0AED3F10E}" type="datetimeFigureOut">
               <a:rPr lang="pt-BR" smtClean="0"/>
-              <a:t>02/01/2025</a:t>
+              <a:t>03/01/2025</a:t>
             </a:fld>
             <a:endParaRPr lang="pt-BR"/>
           </a:p>
@@ -869,7 +870,7 @@
           <a:p>
             <a:fld id="{F6A4CACF-EA01-40BE-8F06-7DE0AED3F10E}" type="datetimeFigureOut">
               <a:rPr lang="pt-BR" smtClean="0"/>
-              <a:t>02/01/2025</a:t>
+              <a:t>03/01/2025</a:t>
             </a:fld>
             <a:endParaRPr lang="pt-BR"/>
           </a:p>
@@ -1144,7 +1145,7 @@
           <a:p>
             <a:fld id="{F6A4CACF-EA01-40BE-8F06-7DE0AED3F10E}" type="datetimeFigureOut">
               <a:rPr lang="pt-BR" smtClean="0"/>
-              <a:t>02/01/2025</a:t>
+              <a:t>03/01/2025</a:t>
             </a:fld>
             <a:endParaRPr lang="pt-BR"/>
           </a:p>
@@ -1409,7 +1410,7 @@
           <a:p>
             <a:fld id="{F6A4CACF-EA01-40BE-8F06-7DE0AED3F10E}" type="datetimeFigureOut">
               <a:rPr lang="pt-BR" smtClean="0"/>
-              <a:t>02/01/2025</a:t>
+              <a:t>03/01/2025</a:t>
             </a:fld>
             <a:endParaRPr lang="pt-BR"/>
           </a:p>
@@ -1821,7 +1822,7 @@
           <a:p>
             <a:fld id="{F6A4CACF-EA01-40BE-8F06-7DE0AED3F10E}" type="datetimeFigureOut">
               <a:rPr lang="pt-BR" smtClean="0"/>
-              <a:t>02/01/2025</a:t>
+              <a:t>03/01/2025</a:t>
             </a:fld>
             <a:endParaRPr lang="pt-BR"/>
           </a:p>
@@ -1962,7 +1963,7 @@
           <a:p>
             <a:fld id="{F6A4CACF-EA01-40BE-8F06-7DE0AED3F10E}" type="datetimeFigureOut">
               <a:rPr lang="pt-BR" smtClean="0"/>
-              <a:t>02/01/2025</a:t>
+              <a:t>03/01/2025</a:t>
             </a:fld>
             <a:endParaRPr lang="pt-BR"/>
           </a:p>
@@ -2075,7 +2076,7 @@
           <a:p>
             <a:fld id="{F6A4CACF-EA01-40BE-8F06-7DE0AED3F10E}" type="datetimeFigureOut">
               <a:rPr lang="pt-BR" smtClean="0"/>
-              <a:t>02/01/2025</a:t>
+              <a:t>03/01/2025</a:t>
             </a:fld>
             <a:endParaRPr lang="pt-BR"/>
           </a:p>
@@ -2386,7 +2387,7 @@
           <a:p>
             <a:fld id="{F6A4CACF-EA01-40BE-8F06-7DE0AED3F10E}" type="datetimeFigureOut">
               <a:rPr lang="pt-BR" smtClean="0"/>
-              <a:t>02/01/2025</a:t>
+              <a:t>03/01/2025</a:t>
             </a:fld>
             <a:endParaRPr lang="pt-BR"/>
           </a:p>
@@ -2674,7 +2675,7 @@
           <a:p>
             <a:fld id="{F6A4CACF-EA01-40BE-8F06-7DE0AED3F10E}" type="datetimeFigureOut">
               <a:rPr lang="pt-BR" smtClean="0"/>
-              <a:t>02/01/2025</a:t>
+              <a:t>03/01/2025</a:t>
             </a:fld>
             <a:endParaRPr lang="pt-BR"/>
           </a:p>
@@ -2915,7 +2916,7 @@
           <a:p>
             <a:fld id="{F6A4CACF-EA01-40BE-8F06-7DE0AED3F10E}" type="datetimeFigureOut">
               <a:rPr lang="pt-BR" smtClean="0"/>
-              <a:t>02/01/2025</a:t>
+              <a:t>03/01/2025</a:t>
             </a:fld>
             <a:endParaRPr lang="pt-BR"/>
           </a:p>
@@ -5009,6 +5010,82 @@
 </p:sld>
 </file>
 
+<file path=ppt/slides/slide8.xml><?xml version="1.0" encoding="utf-8"?>
+<p:sld xmlns:a="http://schemas.openxmlformats.org/drawingml/2006/main" xmlns:r="http://schemas.openxmlformats.org/officeDocument/2006/relationships" xmlns:p="http://schemas.openxmlformats.org/presentationml/2006/main">
+  <p:cSld>
+    <p:bg>
+      <p:bgPr>
+        <a:solidFill>
+          <a:schemeClr val="tx1"/>
+        </a:solidFill>
+        <a:effectLst/>
+      </p:bgPr>
+    </p:bg>
+    <p:spTree>
+      <p:nvGrpSpPr>
+        <p:cNvPr id="1" name=""/>
+        <p:cNvGrpSpPr/>
+        <p:nvPr/>
+      </p:nvGrpSpPr>
+      <p:grpSpPr>
+        <a:xfrm>
+          <a:off x="0" y="0"/>
+          <a:ext cx="0" cy="0"/>
+          <a:chOff x="0" y="0"/>
+          <a:chExt cx="0" cy="0"/>
+        </a:xfrm>
+      </p:grpSpPr>
+      <p:sp>
+        <p:nvSpPr>
+          <p:cNvPr id="3" name="Espaço Reservado para Conteúdo 2">
+            <a:extLst>
+              <a:ext uri="{FF2B5EF4-FFF2-40B4-BE49-F238E27FC236}">
+                <a16:creationId xmlns:a16="http://schemas.microsoft.com/office/drawing/2014/main" id="{CA15BEDC-71E6-F1B0-05BF-F063A6D82EDD}"/>
+              </a:ext>
+            </a:extLst>
+          </p:cNvPr>
+          <p:cNvSpPr>
+            <a:spLocks noGrp="1"/>
+          </p:cNvSpPr>
+          <p:nvPr>
+            <p:ph idx="1"/>
+          </p:nvPr>
+        </p:nvSpPr>
+        <p:spPr/>
+        <p:txBody>
+          <a:bodyPr>
+            <a:normAutofit fontScale="92500"/>
+          </a:bodyPr>
+          <a:lstStyle/>
+          <a:p>
+            <a:pPr marL="0" indent="0">
+              <a:buNone/>
+            </a:pPr>
+            <a:r>
+              <a:rPr lang="pt-BR" sz="19900" dirty="0">
+                <a:solidFill>
+                  <a:schemeClr val="bg1"/>
+                </a:solidFill>
+                <a:latin typeface="Audiowide" panose="02000503000000020004" pitchFamily="2" charset="0"/>
+              </a:rPr>
+              <a:t>BRAPCI</a:t>
+            </a:r>
+          </a:p>
+        </p:txBody>
+      </p:sp>
+    </p:spTree>
+    <p:extLst>
+      <p:ext uri="{BB962C8B-B14F-4D97-AF65-F5344CB8AC3E}">
+        <p14:creationId xmlns:p14="http://schemas.microsoft.com/office/powerpoint/2010/main" val="1434409781"/>
+      </p:ext>
+    </p:extLst>
+  </p:cSld>
+  <p:clrMapOvr>
+    <a:masterClrMapping/>
+  </p:clrMapOvr>
+</p:sld>
+</file>
+
 <file path=ppt/theme/theme1.xml><?xml version="1.0" encoding="utf-8"?>
 <a:theme xmlns:a="http://schemas.openxmlformats.org/drawingml/2006/main" name="Tema do Office">
   <a:themeElements>
